--- a/Textbook/Figures/Chapter4/fig_mirror_image.pptx
+++ b/Textbook/Figures/Chapter4/fig_mirror_image.pptx
@@ -243,7 +243,7 @@
           <a:p>
             <a:fld id="{A8F48D5B-9275-4A08-B238-9C7CECCD580A}" type="datetimeFigureOut">
               <a:rPr lang="en-US" smtClean="0"/>
-              <a:t>6/15/2022</a:t>
+              <a:t>10/11/2022</a:t>
             </a:fld>
             <a:endParaRPr lang="en-US"/>
           </a:p>
@@ -413,7 +413,7 @@
           <a:p>
             <a:fld id="{A8F48D5B-9275-4A08-B238-9C7CECCD580A}" type="datetimeFigureOut">
               <a:rPr lang="en-US" smtClean="0"/>
-              <a:t>6/15/2022</a:t>
+              <a:t>10/11/2022</a:t>
             </a:fld>
             <a:endParaRPr lang="en-US"/>
           </a:p>
@@ -593,7 +593,7 @@
           <a:p>
             <a:fld id="{A8F48D5B-9275-4A08-B238-9C7CECCD580A}" type="datetimeFigureOut">
               <a:rPr lang="en-US" smtClean="0"/>
-              <a:t>6/15/2022</a:t>
+              <a:t>10/11/2022</a:t>
             </a:fld>
             <a:endParaRPr lang="en-US"/>
           </a:p>
@@ -763,7 +763,7 @@
           <a:p>
             <a:fld id="{A8F48D5B-9275-4A08-B238-9C7CECCD580A}" type="datetimeFigureOut">
               <a:rPr lang="en-US" smtClean="0"/>
-              <a:t>6/15/2022</a:t>
+              <a:t>10/11/2022</a:t>
             </a:fld>
             <a:endParaRPr lang="en-US"/>
           </a:p>
@@ -1009,7 +1009,7 @@
           <a:p>
             <a:fld id="{A8F48D5B-9275-4A08-B238-9C7CECCD580A}" type="datetimeFigureOut">
               <a:rPr lang="en-US" smtClean="0"/>
-              <a:t>6/15/2022</a:t>
+              <a:t>10/11/2022</a:t>
             </a:fld>
             <a:endParaRPr lang="en-US"/>
           </a:p>
@@ -1241,7 +1241,7 @@
           <a:p>
             <a:fld id="{A8F48D5B-9275-4A08-B238-9C7CECCD580A}" type="datetimeFigureOut">
               <a:rPr lang="en-US" smtClean="0"/>
-              <a:t>6/15/2022</a:t>
+              <a:t>10/11/2022</a:t>
             </a:fld>
             <a:endParaRPr lang="en-US"/>
           </a:p>
@@ -1608,7 +1608,7 @@
           <a:p>
             <a:fld id="{A8F48D5B-9275-4A08-B238-9C7CECCD580A}" type="datetimeFigureOut">
               <a:rPr lang="en-US" smtClean="0"/>
-              <a:t>6/15/2022</a:t>
+              <a:t>10/11/2022</a:t>
             </a:fld>
             <a:endParaRPr lang="en-US"/>
           </a:p>
@@ -1726,7 +1726,7 @@
           <a:p>
             <a:fld id="{A8F48D5B-9275-4A08-B238-9C7CECCD580A}" type="datetimeFigureOut">
               <a:rPr lang="en-US" smtClean="0"/>
-              <a:t>6/15/2022</a:t>
+              <a:t>10/11/2022</a:t>
             </a:fld>
             <a:endParaRPr lang="en-US"/>
           </a:p>
@@ -1821,7 +1821,7 @@
           <a:p>
             <a:fld id="{A8F48D5B-9275-4A08-B238-9C7CECCD580A}" type="datetimeFigureOut">
               <a:rPr lang="en-US" smtClean="0"/>
-              <a:t>6/15/2022</a:t>
+              <a:t>10/11/2022</a:t>
             </a:fld>
             <a:endParaRPr lang="en-US"/>
           </a:p>
@@ -2098,7 +2098,7 @@
           <a:p>
             <a:fld id="{A8F48D5B-9275-4A08-B238-9C7CECCD580A}" type="datetimeFigureOut">
               <a:rPr lang="en-US" smtClean="0"/>
-              <a:t>6/15/2022</a:t>
+              <a:t>10/11/2022</a:t>
             </a:fld>
             <a:endParaRPr lang="en-US"/>
           </a:p>
@@ -2355,7 +2355,7 @@
           <a:p>
             <a:fld id="{A8F48D5B-9275-4A08-B238-9C7CECCD580A}" type="datetimeFigureOut">
               <a:rPr lang="en-US" smtClean="0"/>
-              <a:t>6/15/2022</a:t>
+              <a:t>10/11/2022</a:t>
             </a:fld>
             <a:endParaRPr lang="en-US"/>
           </a:p>
@@ -2568,7 +2568,7 @@
           <a:p>
             <a:fld id="{A8F48D5B-9275-4A08-B238-9C7CECCD580A}" type="datetimeFigureOut">
               <a:rPr lang="en-US" smtClean="0"/>
-              <a:t>6/15/2022</a:t>
+              <a:t>10/11/2022</a:t>
             </a:fld>
             <a:endParaRPr lang="en-US"/>
           </a:p>
@@ -3239,10 +3239,10 @@
             <a:avLst/>
           </a:prstGeom>
           <a:noFill/>
-          <a:ln w="9525">
+          <a:ln w="12700">
             <a:solidFill>
               <a:schemeClr val="bg1">
-                <a:lumMod val="85000"/>
+                <a:lumMod val="50000"/>
               </a:schemeClr>
             </a:solidFill>
           </a:ln>
@@ -3298,10 +3298,10 @@
             <a:avLst/>
           </a:prstGeom>
           <a:noFill/>
-          <a:ln w="9525">
+          <a:ln w="12700">
             <a:solidFill>
               <a:schemeClr val="bg1">
-                <a:lumMod val="85000"/>
+                <a:lumMod val="50000"/>
               </a:schemeClr>
             </a:solidFill>
           </a:ln>
@@ -3357,10 +3357,10 @@
             <a:avLst/>
           </a:prstGeom>
           <a:noFill/>
-          <a:ln w="9525">
+          <a:ln w="12700">
             <a:solidFill>
               <a:schemeClr val="bg1">
-                <a:lumMod val="85000"/>
+                <a:lumMod val="50000"/>
               </a:schemeClr>
             </a:solidFill>
           </a:ln>
@@ -3416,10 +3416,10 @@
             <a:avLst/>
           </a:prstGeom>
           <a:noFill/>
-          <a:ln w="9525">
+          <a:ln w="12700">
             <a:solidFill>
               <a:schemeClr val="bg1">
-                <a:lumMod val="85000"/>
+                <a:lumMod val="50000"/>
               </a:schemeClr>
             </a:solidFill>
           </a:ln>
@@ -3475,10 +3475,10 @@
             <a:avLst/>
           </a:prstGeom>
           <a:noFill/>
-          <a:ln w="9525">
+          <a:ln w="12700">
             <a:solidFill>
               <a:schemeClr val="bg1">
-                <a:lumMod val="85000"/>
+                <a:lumMod val="50000"/>
               </a:schemeClr>
             </a:solidFill>
           </a:ln>
@@ -3556,10 +3556,10 @@
             <a:prstGeom prst="line">
               <a:avLst/>
             </a:prstGeom>
-            <a:ln w="9525">
+            <a:ln w="12700">
               <a:solidFill>
                 <a:schemeClr val="bg1">
-                  <a:lumMod val="85000"/>
+                  <a:lumMod val="50000"/>
                 </a:schemeClr>
               </a:solidFill>
             </a:ln>
@@ -3602,10 +3602,10 @@
             <a:prstGeom prst="line">
               <a:avLst/>
             </a:prstGeom>
-            <a:ln w="9525">
+            <a:ln w="12700">
               <a:solidFill>
                 <a:schemeClr val="bg1">
-                  <a:lumMod val="85000"/>
+                  <a:lumMod val="50000"/>
                 </a:schemeClr>
               </a:solidFill>
             </a:ln>
@@ -3668,10 +3668,10 @@
             <a:prstGeom prst="line">
               <a:avLst/>
             </a:prstGeom>
-            <a:ln w="9525">
+            <a:ln w="12700">
               <a:solidFill>
                 <a:schemeClr val="bg1">
-                  <a:lumMod val="85000"/>
+                  <a:lumMod val="50000"/>
                 </a:schemeClr>
               </a:solidFill>
             </a:ln>
@@ -3713,10 +3713,10 @@
             <a:prstGeom prst="line">
               <a:avLst/>
             </a:prstGeom>
-            <a:ln w="9525">
+            <a:ln w="12700">
               <a:solidFill>
                 <a:schemeClr val="bg1">
-                  <a:lumMod val="85000"/>
+                  <a:lumMod val="50000"/>
                 </a:schemeClr>
               </a:solidFill>
             </a:ln>
@@ -3751,7 +3751,7 @@
         </p:nvGrpSpPr>
         <p:grpSpPr>
           <a:xfrm>
-            <a:off x="4956965" y="1798727"/>
+            <a:off x="4961492" y="1807781"/>
             <a:ext cx="71936" cy="73716"/>
             <a:chOff x="3752352" y="1712461"/>
             <a:chExt cx="71936" cy="73716"/>
@@ -3779,10 +3779,10 @@
             <a:prstGeom prst="line">
               <a:avLst/>
             </a:prstGeom>
-            <a:ln w="9525">
+            <a:ln w="12700">
               <a:solidFill>
                 <a:schemeClr val="bg1">
-                  <a:lumMod val="85000"/>
+                  <a:lumMod val="50000"/>
                 </a:schemeClr>
               </a:solidFill>
             </a:ln>
@@ -3824,10 +3824,10 @@
             <a:prstGeom prst="line">
               <a:avLst/>
             </a:prstGeom>
-            <a:ln w="9525">
+            <a:ln w="12700">
               <a:solidFill>
                 <a:schemeClr val="bg1">
-                  <a:lumMod val="85000"/>
+                  <a:lumMod val="50000"/>
                 </a:schemeClr>
               </a:solidFill>
             </a:ln>
@@ -3862,7 +3862,7 @@
         </p:nvGrpSpPr>
         <p:grpSpPr>
           <a:xfrm>
-            <a:off x="6168743" y="1017165"/>
+            <a:off x="6159689" y="1012638"/>
             <a:ext cx="71936" cy="73716"/>
             <a:chOff x="3752352" y="1712461"/>
             <a:chExt cx="71936" cy="73716"/>
@@ -3890,10 +3890,10 @@
             <a:prstGeom prst="line">
               <a:avLst/>
             </a:prstGeom>
-            <a:ln w="9525">
+            <a:ln w="12700">
               <a:solidFill>
                 <a:schemeClr val="bg1">
-                  <a:lumMod val="85000"/>
+                  <a:lumMod val="50000"/>
                 </a:schemeClr>
               </a:solidFill>
             </a:ln>
@@ -3935,10 +3935,10 @@
             <a:prstGeom prst="line">
               <a:avLst/>
             </a:prstGeom>
-            <a:ln w="9525">
+            <a:ln w="12700">
               <a:solidFill>
                 <a:schemeClr val="bg1">
-                  <a:lumMod val="85000"/>
+                  <a:lumMod val="50000"/>
                 </a:schemeClr>
               </a:solidFill>
             </a:ln>
@@ -4168,7 +4168,7 @@
             <a:avLst/>
           </a:prstGeom>
           <a:noFill/>
-          <a:ln w="9525">
+          <a:ln w="12700">
             <a:solidFill>
               <a:schemeClr val="accent1">
                 <a:lumMod val="60000"/>
@@ -4228,7 +4228,7 @@
             <a:avLst/>
           </a:prstGeom>
           <a:noFill/>
-          <a:ln w="9525">
+          <a:ln w="12700">
             <a:solidFill>
               <a:schemeClr val="accent1">
                 <a:lumMod val="60000"/>
@@ -4288,7 +4288,7 @@
             <a:avLst/>
           </a:prstGeom>
           <a:noFill/>
-          <a:ln w="9525">
+          <a:ln w="12700">
             <a:solidFill>
               <a:schemeClr val="accent1">
                 <a:lumMod val="60000"/>
@@ -4348,7 +4348,7 @@
             <a:avLst/>
           </a:prstGeom>
           <a:noFill/>
-          <a:ln w="9525">
+          <a:ln w="12700">
             <a:solidFill>
               <a:schemeClr val="accent1">
                 <a:lumMod val="60000"/>
@@ -4408,7 +4408,7 @@
             <a:avLst/>
           </a:prstGeom>
           <a:noFill/>
-          <a:ln w="9525">
+          <a:ln w="12700">
             <a:solidFill>
               <a:schemeClr val="accent1">
                 <a:lumMod val="60000"/>
@@ -4490,7 +4490,7 @@
             <a:prstGeom prst="line">
               <a:avLst/>
             </a:prstGeom>
-            <a:ln w="9525">
+            <a:ln w="12700">
               <a:solidFill>
                 <a:schemeClr val="accent1">
                   <a:lumMod val="60000"/>
@@ -4537,7 +4537,7 @@
             <a:prstGeom prst="line">
               <a:avLst/>
             </a:prstGeom>
-            <a:ln w="9525">
+            <a:ln w="12700">
               <a:solidFill>
                 <a:schemeClr val="accent1">
                   <a:lumMod val="60000"/>
@@ -4604,7 +4604,7 @@
             <a:prstGeom prst="line">
               <a:avLst/>
             </a:prstGeom>
-            <a:ln w="9525">
+            <a:ln w="12700">
               <a:solidFill>
                 <a:schemeClr val="accent1">
                   <a:lumMod val="60000"/>
@@ -4650,7 +4650,7 @@
             <a:prstGeom prst="line">
               <a:avLst/>
             </a:prstGeom>
-            <a:ln w="9525">
+            <a:ln w="12700">
               <a:solidFill>
                 <a:schemeClr val="accent1">
                   <a:lumMod val="60000"/>
@@ -4717,7 +4717,7 @@
             <a:prstGeom prst="line">
               <a:avLst/>
             </a:prstGeom>
-            <a:ln w="9525">
+            <a:ln w="12700">
               <a:solidFill>
                 <a:schemeClr val="accent1">
                   <a:lumMod val="60000"/>
@@ -4763,7 +4763,7 @@
             <a:prstGeom prst="line">
               <a:avLst/>
             </a:prstGeom>
-            <a:ln w="9525">
+            <a:ln w="12700">
               <a:solidFill>
                 <a:schemeClr val="accent1">
                   <a:lumMod val="60000"/>
@@ -4830,7 +4830,7 @@
             <a:prstGeom prst="line">
               <a:avLst/>
             </a:prstGeom>
-            <a:ln w="9525">
+            <a:ln w="12700">
               <a:solidFill>
                 <a:schemeClr val="accent1">
                   <a:lumMod val="60000"/>
@@ -4876,7 +4876,7 @@
             <a:prstGeom prst="line">
               <a:avLst/>
             </a:prstGeom>
-            <a:ln w="9525">
+            <a:ln w="12700">
               <a:solidFill>
                 <a:schemeClr val="accent1">
                   <a:lumMod val="60000"/>
